--- a/gacha.pptx
+++ b/gacha.pptx
@@ -244,7 +244,7 @@
           <a:p>
             <a:fld id="{0E085FA6-3BB9-47BA-8D81-299A75D1B58A}" type="datetimeFigureOut">
               <a:rPr kumimoji="1" lang="ja-JP" altLang="en-US" smtClean="0"/>
-              <a:t>2025/3/25</a:t>
+              <a:t>2025/3/31</a:t>
             </a:fld>
             <a:endParaRPr kumimoji="1" lang="ja-JP" altLang="en-US"/>
           </a:p>
@@ -446,7 +446,7 @@
           <a:p>
             <a:fld id="{0E085FA6-3BB9-47BA-8D81-299A75D1B58A}" type="datetimeFigureOut">
               <a:rPr kumimoji="1" lang="ja-JP" altLang="en-US" smtClean="0"/>
-              <a:t>2025/3/25</a:t>
+              <a:t>2025/3/31</a:t>
             </a:fld>
             <a:endParaRPr kumimoji="1" lang="ja-JP" altLang="en-US"/>
           </a:p>
@@ -658,7 +658,7 @@
           <a:p>
             <a:fld id="{0E085FA6-3BB9-47BA-8D81-299A75D1B58A}" type="datetimeFigureOut">
               <a:rPr kumimoji="1" lang="ja-JP" altLang="en-US" smtClean="0"/>
-              <a:t>2025/3/25</a:t>
+              <a:t>2025/3/31</a:t>
             </a:fld>
             <a:endParaRPr kumimoji="1" lang="ja-JP" altLang="en-US"/>
           </a:p>
@@ -860,7 +860,7 @@
           <a:p>
             <a:fld id="{0E085FA6-3BB9-47BA-8D81-299A75D1B58A}" type="datetimeFigureOut">
               <a:rPr kumimoji="1" lang="ja-JP" altLang="en-US" smtClean="0"/>
-              <a:t>2025/3/25</a:t>
+              <a:t>2025/3/31</a:t>
             </a:fld>
             <a:endParaRPr kumimoji="1" lang="ja-JP" altLang="en-US"/>
           </a:p>
@@ -1106,7 +1106,7 @@
           <a:p>
             <a:fld id="{0E085FA6-3BB9-47BA-8D81-299A75D1B58A}" type="datetimeFigureOut">
               <a:rPr kumimoji="1" lang="ja-JP" altLang="en-US" smtClean="0"/>
-              <a:t>2025/3/25</a:t>
+              <a:t>2025/3/31</a:t>
             </a:fld>
             <a:endParaRPr kumimoji="1" lang="ja-JP" altLang="en-US"/>
           </a:p>
@@ -1402,7 +1402,7 @@
           <a:p>
             <a:fld id="{0E085FA6-3BB9-47BA-8D81-299A75D1B58A}" type="datetimeFigureOut">
               <a:rPr kumimoji="1" lang="ja-JP" altLang="en-US" smtClean="0"/>
-              <a:t>2025/3/25</a:t>
+              <a:t>2025/3/31</a:t>
             </a:fld>
             <a:endParaRPr kumimoji="1" lang="ja-JP" altLang="en-US"/>
           </a:p>
@@ -1833,7 +1833,7 @@
           <a:p>
             <a:fld id="{0E085FA6-3BB9-47BA-8D81-299A75D1B58A}" type="datetimeFigureOut">
               <a:rPr kumimoji="1" lang="ja-JP" altLang="en-US" smtClean="0"/>
-              <a:t>2025/3/25</a:t>
+              <a:t>2025/3/31</a:t>
             </a:fld>
             <a:endParaRPr kumimoji="1" lang="ja-JP" altLang="en-US"/>
           </a:p>
@@ -1951,7 +1951,7 @@
           <a:p>
             <a:fld id="{0E085FA6-3BB9-47BA-8D81-299A75D1B58A}" type="datetimeFigureOut">
               <a:rPr kumimoji="1" lang="ja-JP" altLang="en-US" smtClean="0"/>
-              <a:t>2025/3/25</a:t>
+              <a:t>2025/3/31</a:t>
             </a:fld>
             <a:endParaRPr kumimoji="1" lang="ja-JP" altLang="en-US"/>
           </a:p>
@@ -2046,7 +2046,7 @@
           <a:p>
             <a:fld id="{0E085FA6-3BB9-47BA-8D81-299A75D1B58A}" type="datetimeFigureOut">
               <a:rPr kumimoji="1" lang="ja-JP" altLang="en-US" smtClean="0"/>
-              <a:t>2025/3/25</a:t>
+              <a:t>2025/3/31</a:t>
             </a:fld>
             <a:endParaRPr kumimoji="1" lang="ja-JP" altLang="en-US"/>
           </a:p>
@@ -2355,7 +2355,7 @@
           <a:p>
             <a:fld id="{0E085FA6-3BB9-47BA-8D81-299A75D1B58A}" type="datetimeFigureOut">
               <a:rPr kumimoji="1" lang="ja-JP" altLang="en-US" smtClean="0"/>
-              <a:t>2025/3/25</a:t>
+              <a:t>2025/3/31</a:t>
             </a:fld>
             <a:endParaRPr kumimoji="1" lang="ja-JP" altLang="en-US"/>
           </a:p>
@@ -2608,7 +2608,7 @@
           <a:p>
             <a:fld id="{0E085FA6-3BB9-47BA-8D81-299A75D1B58A}" type="datetimeFigureOut">
               <a:rPr kumimoji="1" lang="ja-JP" altLang="en-US" smtClean="0"/>
-              <a:t>2025/3/25</a:t>
+              <a:t>2025/3/31</a:t>
             </a:fld>
             <a:endParaRPr kumimoji="1" lang="ja-JP" altLang="en-US"/>
           </a:p>
@@ -2853,7 +2853,7 @@
           <a:p>
             <a:fld id="{0E085FA6-3BB9-47BA-8D81-299A75D1B58A}" type="datetimeFigureOut">
               <a:rPr kumimoji="1" lang="ja-JP" altLang="en-US" smtClean="0"/>
-              <a:t>2025/3/25</a:t>
+              <a:t>2025/3/31</a:t>
             </a:fld>
             <a:endParaRPr kumimoji="1" lang="ja-JP" altLang="en-US"/>
           </a:p>
@@ -3266,7 +3266,7 @@
         </p:nvSpPr>
         <p:spPr>
           <a:xfrm>
-            <a:off x="6085771" y="2692908"/>
+            <a:off x="4643337" y="2680029"/>
             <a:ext cx="745675" cy="745675"/>
           </a:xfrm>
           <a:prstGeom prst="rect">
@@ -3314,7 +3314,7 @@
         </p:nvSpPr>
         <p:spPr>
           <a:xfrm>
-            <a:off x="2735334" y="1453363"/>
+            <a:off x="1292900" y="1440484"/>
             <a:ext cx="2929371" cy="4384969"/>
           </a:xfrm>
           <a:prstGeom prst="rect">
@@ -3362,7 +3362,7 @@
         </p:nvSpPr>
         <p:spPr>
           <a:xfrm>
-            <a:off x="7676858" y="4298627"/>
+            <a:off x="6234424" y="4285748"/>
             <a:ext cx="443630" cy="443630"/>
           </a:xfrm>
           <a:prstGeom prst="rect">
@@ -3410,7 +3410,7 @@
         </p:nvSpPr>
         <p:spPr>
           <a:xfrm>
-            <a:off x="6949767" y="4295761"/>
+            <a:off x="5507333" y="4282882"/>
             <a:ext cx="443630" cy="443630"/>
           </a:xfrm>
           <a:prstGeom prst="rect">
@@ -3458,7 +3458,7 @@
         </p:nvSpPr>
         <p:spPr>
           <a:xfrm>
-            <a:off x="6226800" y="4291739"/>
+            <a:off x="4784366" y="4278860"/>
             <a:ext cx="443630" cy="443630"/>
           </a:xfrm>
           <a:prstGeom prst="rect">
@@ -3514,7 +3514,7 @@
         </p:blipFill>
         <p:spPr>
           <a:xfrm>
-            <a:off x="3061804" y="3450690"/>
+            <a:off x="1619370" y="3437811"/>
             <a:ext cx="383754" cy="382075"/>
           </a:xfrm>
           <a:prstGeom prst="rect">
@@ -3538,7 +3538,7 @@
         </p:blipFill>
         <p:spPr>
           <a:xfrm rot="9445844">
-            <a:off x="3394572" y="3292220"/>
+            <a:off x="1952138" y="3279341"/>
             <a:ext cx="383754" cy="382075"/>
           </a:xfrm>
           <a:prstGeom prst="rect">
@@ -3562,7 +3562,7 @@
         </p:blipFill>
         <p:spPr>
           <a:xfrm rot="18076713">
-            <a:off x="3530196" y="3510722"/>
+            <a:off x="2087762" y="3497843"/>
             <a:ext cx="383754" cy="382075"/>
           </a:xfrm>
           <a:prstGeom prst="rect">
@@ -3586,7 +3586,7 @@
         </p:blipFill>
         <p:spPr>
           <a:xfrm rot="21090871">
-            <a:off x="3862964" y="3352252"/>
+            <a:off x="2420530" y="3339373"/>
             <a:ext cx="383754" cy="382075"/>
           </a:xfrm>
           <a:prstGeom prst="rect">
@@ -3610,7 +3610,7 @@
         </p:blipFill>
         <p:spPr>
           <a:xfrm rot="16497857">
-            <a:off x="4151602" y="3490159"/>
+            <a:off x="2709168" y="3477280"/>
             <a:ext cx="383754" cy="382075"/>
           </a:xfrm>
           <a:prstGeom prst="rect">
@@ -3634,7 +3634,7 @@
         </p:blipFill>
         <p:spPr>
           <a:xfrm rot="2057333">
-            <a:off x="4484370" y="3331689"/>
+            <a:off x="3041936" y="3318810"/>
             <a:ext cx="383754" cy="382075"/>
           </a:xfrm>
           <a:prstGeom prst="rect">
@@ -3658,7 +3658,7 @@
         </p:blipFill>
         <p:spPr>
           <a:xfrm rot="15047229">
-            <a:off x="4619994" y="3550191"/>
+            <a:off x="3177560" y="3537312"/>
             <a:ext cx="383754" cy="382075"/>
           </a:xfrm>
           <a:prstGeom prst="rect">
@@ -3682,7 +3682,7 @@
         </p:blipFill>
         <p:spPr>
           <a:xfrm rot="20134046">
-            <a:off x="4952762" y="3391721"/>
+            <a:off x="3510328" y="3378842"/>
             <a:ext cx="383754" cy="382075"/>
           </a:xfrm>
           <a:prstGeom prst="rect">
@@ -3706,7 +3706,7 @@
         </p:blipFill>
         <p:spPr>
           <a:xfrm rot="17043799">
-            <a:off x="3042833" y="3081883"/>
+            <a:off x="1600399" y="3069004"/>
             <a:ext cx="383754" cy="382075"/>
           </a:xfrm>
           <a:prstGeom prst="rect">
@@ -3730,7 +3730,7 @@
         </p:blipFill>
         <p:spPr>
           <a:xfrm rot="9445844">
-            <a:off x="3375601" y="2923413"/>
+            <a:off x="1933167" y="2910534"/>
             <a:ext cx="383754" cy="382075"/>
           </a:xfrm>
           <a:prstGeom prst="rect">
@@ -3754,7 +3754,7 @@
         </p:blipFill>
         <p:spPr>
           <a:xfrm rot="18076713">
-            <a:off x="3511225" y="3141915"/>
+            <a:off x="2068791" y="3129036"/>
             <a:ext cx="383754" cy="382075"/>
           </a:xfrm>
           <a:prstGeom prst="rect">
@@ -3778,7 +3778,7 @@
         </p:blipFill>
         <p:spPr>
           <a:xfrm rot="1546535">
-            <a:off x="3843993" y="2983445"/>
+            <a:off x="2401559" y="2970566"/>
             <a:ext cx="383754" cy="382075"/>
           </a:xfrm>
           <a:prstGeom prst="rect">
@@ -3802,7 +3802,7 @@
         </p:blipFill>
         <p:spPr>
           <a:xfrm rot="7792455">
-            <a:off x="4132631" y="3121352"/>
+            <a:off x="2690197" y="3108473"/>
             <a:ext cx="383754" cy="382075"/>
           </a:xfrm>
           <a:prstGeom prst="rect">
@@ -3826,7 +3826,7 @@
         </p:blipFill>
         <p:spPr>
           <a:xfrm rot="21241290">
-            <a:off x="4465399" y="2962882"/>
+            <a:off x="3022965" y="2950003"/>
             <a:ext cx="383754" cy="382075"/>
           </a:xfrm>
           <a:prstGeom prst="rect">
@@ -3850,7 +3850,7 @@
         </p:blipFill>
         <p:spPr>
           <a:xfrm rot="8272159">
-            <a:off x="4601023" y="3181384"/>
+            <a:off x="3158589" y="3168505"/>
             <a:ext cx="383754" cy="382075"/>
           </a:xfrm>
           <a:prstGeom prst="rect">
@@ -3874,7 +3874,7 @@
         </p:blipFill>
         <p:spPr>
           <a:xfrm rot="15992884">
-            <a:off x="4933791" y="3022914"/>
+            <a:off x="3491357" y="3010035"/>
             <a:ext cx="383754" cy="382075"/>
           </a:xfrm>
           <a:prstGeom prst="rect">
@@ -3898,7 +3898,7 @@
         </p:blipFill>
         <p:spPr>
           <a:xfrm rot="2208086">
-            <a:off x="3044208" y="2706797"/>
+            <a:off x="1601774" y="2693918"/>
             <a:ext cx="383754" cy="382075"/>
           </a:xfrm>
           <a:prstGeom prst="rect">
@@ -3922,7 +3922,7 @@
         </p:blipFill>
         <p:spPr>
           <a:xfrm rot="6438077">
-            <a:off x="3376976" y="2548327"/>
+            <a:off x="1934542" y="2535448"/>
             <a:ext cx="383754" cy="382075"/>
           </a:xfrm>
           <a:prstGeom prst="rect">
@@ -3946,7 +3946,7 @@
         </p:blipFill>
         <p:spPr>
           <a:xfrm rot="15068946">
-            <a:off x="3512600" y="2766829"/>
+            <a:off x="2070166" y="2753950"/>
             <a:ext cx="383754" cy="382075"/>
           </a:xfrm>
           <a:prstGeom prst="rect">
@@ -3970,7 +3970,7 @@
         </p:blipFill>
         <p:spPr>
           <a:xfrm rot="3911655">
-            <a:off x="3845368" y="2608359"/>
+            <a:off x="2402934" y="2595480"/>
             <a:ext cx="383754" cy="382075"/>
           </a:xfrm>
           <a:prstGeom prst="rect">
@@ -3994,7 +3994,7 @@
         </p:blipFill>
         <p:spPr>
           <a:xfrm rot="8056334">
-            <a:off x="4134006" y="2746266"/>
+            <a:off x="2691572" y="2733387"/>
             <a:ext cx="383754" cy="382075"/>
           </a:xfrm>
           <a:prstGeom prst="rect">
@@ -4018,7 +4018,7 @@
         </p:blipFill>
         <p:spPr>
           <a:xfrm rot="6478117">
-            <a:off x="4466774" y="2587796"/>
+            <a:off x="3024340" y="2574917"/>
             <a:ext cx="383754" cy="382075"/>
           </a:xfrm>
           <a:prstGeom prst="rect">
@@ -4042,7 +4042,7 @@
         </p:blipFill>
         <p:spPr>
           <a:xfrm rot="18204998">
-            <a:off x="4602398" y="2806298"/>
+            <a:off x="3159964" y="2793419"/>
             <a:ext cx="383754" cy="382075"/>
           </a:xfrm>
           <a:prstGeom prst="rect">
@@ -4066,7 +4066,7 @@
         </p:blipFill>
         <p:spPr>
           <a:xfrm rot="4325723">
-            <a:off x="4935166" y="2647828"/>
+            <a:off x="3492732" y="2634949"/>
             <a:ext cx="383754" cy="382075"/>
           </a:xfrm>
           <a:prstGeom prst="rect">
@@ -4090,7 +4090,7 @@
         </p:blipFill>
         <p:spPr>
           <a:xfrm rot="16577374">
-            <a:off x="3025237" y="2337990"/>
+            <a:off x="1582803" y="2325111"/>
             <a:ext cx="383754" cy="382075"/>
           </a:xfrm>
           <a:prstGeom prst="rect">
@@ -4114,7 +4114,7 @@
         </p:blipFill>
         <p:spPr>
           <a:xfrm rot="4423218">
-            <a:off x="3358005" y="2179520"/>
+            <a:off x="1915571" y="2166641"/>
             <a:ext cx="383754" cy="382075"/>
           </a:xfrm>
           <a:prstGeom prst="rect">
@@ -4138,7 +4138,7 @@
         </p:blipFill>
         <p:spPr>
           <a:xfrm rot="7838234">
-            <a:off x="3493629" y="2398022"/>
+            <a:off x="2051195" y="2385143"/>
             <a:ext cx="383754" cy="382075"/>
           </a:xfrm>
           <a:prstGeom prst="rect">
@@ -4162,7 +4162,7 @@
         </p:blipFill>
         <p:spPr>
           <a:xfrm rot="3568271">
-            <a:off x="3826397" y="2239552"/>
+            <a:off x="2383963" y="2226673"/>
             <a:ext cx="383754" cy="382075"/>
           </a:xfrm>
           <a:prstGeom prst="rect">
@@ -4186,7 +4186,7 @@
         </p:blipFill>
         <p:spPr>
           <a:xfrm rot="14143571">
-            <a:off x="4115035" y="2377459"/>
+            <a:off x="2672601" y="2364580"/>
             <a:ext cx="383754" cy="382075"/>
           </a:xfrm>
           <a:prstGeom prst="rect">
@@ -4210,7 +4210,7 @@
         </p:blipFill>
         <p:spPr>
           <a:xfrm rot="4062074">
-            <a:off x="4447803" y="2218989"/>
+            <a:off x="3005369" y="2206110"/>
             <a:ext cx="383754" cy="382075"/>
           </a:xfrm>
           <a:prstGeom prst="rect">
@@ -4234,7 +4234,7 @@
         </p:blipFill>
         <p:spPr>
           <a:xfrm rot="12692943">
-            <a:off x="4583427" y="2437491"/>
+            <a:off x="3140993" y="2424612"/>
             <a:ext cx="383754" cy="382075"/>
           </a:xfrm>
           <a:prstGeom prst="rect">
@@ -4258,7 +4258,7 @@
         </p:blipFill>
         <p:spPr>
           <a:xfrm rot="538787">
-            <a:off x="5040122" y="2262883"/>
+            <a:off x="3597688" y="2250004"/>
             <a:ext cx="383754" cy="382075"/>
           </a:xfrm>
           <a:prstGeom prst="rect">
@@ -4282,7 +4282,7 @@
         </p:blipFill>
         <p:spPr>
           <a:xfrm rot="6438077">
-            <a:off x="3646510" y="2031921"/>
+            <a:off x="2204076" y="2019042"/>
             <a:ext cx="383754" cy="382075"/>
           </a:xfrm>
           <a:prstGeom prst="rect">
@@ -4306,7 +4306,7 @@
         </p:blipFill>
         <p:spPr>
           <a:xfrm rot="11246664">
-            <a:off x="2961243" y="1977232"/>
+            <a:off x="1518809" y="1964353"/>
             <a:ext cx="383754" cy="382075"/>
           </a:xfrm>
           <a:prstGeom prst="rect">
@@ -4330,7 +4330,7 @@
         </p:blipFill>
         <p:spPr>
           <a:xfrm rot="12538046">
-            <a:off x="3297874" y="1835878"/>
+            <a:off x="1855440" y="1822999"/>
             <a:ext cx="383754" cy="382075"/>
           </a:xfrm>
           <a:prstGeom prst="rect">
@@ -4354,7 +4354,7 @@
         </p:blipFill>
         <p:spPr>
           <a:xfrm rot="3641941">
-            <a:off x="3877209" y="1763878"/>
+            <a:off x="2434775" y="1750999"/>
             <a:ext cx="383754" cy="382075"/>
           </a:xfrm>
           <a:prstGeom prst="rect">
@@ -4378,7 +4378,7 @@
         </p:blipFill>
         <p:spPr>
           <a:xfrm rot="18339093">
-            <a:off x="4117766" y="1986505"/>
+            <a:off x="2675332" y="1973626"/>
             <a:ext cx="383754" cy="382075"/>
           </a:xfrm>
           <a:prstGeom prst="rect">
@@ -4402,7 +4402,7 @@
         </p:blipFill>
         <p:spPr>
           <a:xfrm rot="6208403">
-            <a:off x="4391716" y="1743831"/>
+            <a:off x="2949282" y="1730952"/>
             <a:ext cx="383754" cy="382075"/>
           </a:xfrm>
           <a:prstGeom prst="rect">
@@ -4426,7 +4426,7 @@
         </p:blipFill>
         <p:spPr>
           <a:xfrm rot="14839272">
-            <a:off x="4605423" y="1914273"/>
+            <a:off x="3162989" y="1901394"/>
             <a:ext cx="383754" cy="382075"/>
           </a:xfrm>
           <a:prstGeom prst="rect">
@@ -4450,7 +4450,7 @@
         </p:blipFill>
         <p:spPr>
           <a:xfrm rot="538787">
-            <a:off x="4769026" y="2169172"/>
+            <a:off x="3326592" y="2156293"/>
             <a:ext cx="383754" cy="382075"/>
           </a:xfrm>
           <a:prstGeom prst="rect">
@@ -4474,7 +4474,7 @@
         </p:blipFill>
         <p:spPr>
           <a:xfrm rot="2685116">
-            <a:off x="5036008" y="1913093"/>
+            <a:off x="3593574" y="1900214"/>
             <a:ext cx="383754" cy="382075"/>
           </a:xfrm>
           <a:prstGeom prst="rect">
@@ -4497,7 +4497,7 @@
         </p:blipFill>
         <p:spPr>
           <a:xfrm>
-            <a:off x="2774444" y="4921250"/>
+            <a:off x="1332010" y="4908371"/>
             <a:ext cx="2877561" cy="878982"/>
           </a:xfrm>
           <a:prstGeom prst="rect">
@@ -4521,7 +4521,7 @@
         </p:blipFill>
         <p:spPr>
           <a:xfrm>
-            <a:off x="6256738" y="4322517"/>
+            <a:off x="4814304" y="4309638"/>
             <a:ext cx="383754" cy="382075"/>
           </a:xfrm>
           <a:prstGeom prst="rect">
@@ -4545,7 +4545,7 @@
         </p:blipFill>
         <p:spPr>
           <a:xfrm>
-            <a:off x="6978982" y="4391986"/>
+            <a:off x="5536548" y="4379107"/>
             <a:ext cx="385200" cy="251181"/>
           </a:xfrm>
           <a:prstGeom prst="rect">
@@ -4569,7 +4569,7 @@
         </p:blipFill>
         <p:spPr>
           <a:xfrm>
-            <a:off x="7706073" y="4385033"/>
+            <a:off x="6263639" y="4372154"/>
             <a:ext cx="385200" cy="270818"/>
           </a:xfrm>
           <a:prstGeom prst="rect">
@@ -4592,7 +4592,7 @@
         </p:blipFill>
         <p:spPr>
           <a:xfrm>
-            <a:off x="2774444" y="1483843"/>
+            <a:off x="1332010" y="1470964"/>
             <a:ext cx="2877561" cy="3520349"/>
           </a:xfrm>
           <a:prstGeom prst="rect">
@@ -4616,7 +4616,7 @@
         </p:blipFill>
         <p:spPr>
           <a:xfrm>
-            <a:off x="6114154" y="2724340"/>
+            <a:off x="4671720" y="2711461"/>
             <a:ext cx="688908" cy="682811"/>
           </a:xfrm>
           <a:prstGeom prst="rect">
@@ -4624,6 +4624,162 @@
           </a:prstGeom>
         </p:spPr>
       </p:pic>
+      <p:sp>
+        <p:nvSpPr>
+          <p:cNvPr id="83" name="正方形/長方形 82"/>
+          <p:cNvSpPr/>
+          <p:nvPr/>
+        </p:nvSpPr>
+        <p:spPr>
+          <a:xfrm>
+            <a:off x="5575185" y="2177151"/>
+            <a:ext cx="1748039" cy="1759493"/>
+          </a:xfrm>
+          <a:prstGeom prst="rect">
+            <a:avLst/>
+          </a:prstGeom>
+          <a:solidFill>
+            <a:srgbClr val="FFFFFF"/>
+          </a:solidFill>
+          <a:ln>
+            <a:solidFill>
+              <a:schemeClr val="tx1"/>
+            </a:solidFill>
+          </a:ln>
+        </p:spPr>
+        <p:style>
+          <a:lnRef idx="2">
+            <a:schemeClr val="accent1">
+              <a:shade val="50000"/>
+            </a:schemeClr>
+          </a:lnRef>
+          <a:fillRef idx="1">
+            <a:schemeClr val="accent1"/>
+          </a:fillRef>
+          <a:effectRef idx="0">
+            <a:schemeClr val="accent1"/>
+          </a:effectRef>
+          <a:fontRef idx="minor">
+            <a:schemeClr val="lt1"/>
+          </a:fontRef>
+        </p:style>
+        <p:txBody>
+          <a:bodyPr rtlCol="0" anchor="ctr"/>
+          <a:lstStyle/>
+          <a:p>
+            <a:pPr algn="ctr"/>
+            <a:endParaRPr kumimoji="1" lang="ja-JP" altLang="en-US"/>
+          </a:p>
+        </p:txBody>
+      </p:sp>
+      <p:sp>
+        <p:nvSpPr>
+          <p:cNvPr id="91" name="下カーブ矢印 90"/>
+          <p:cNvSpPr/>
+          <p:nvPr/>
+        </p:nvSpPr>
+        <p:spPr>
+          <a:xfrm rot="6300000">
+            <a:off x="6193100" y="2969933"/>
+            <a:ext cx="1294661" cy="498126"/>
+          </a:xfrm>
+          <a:prstGeom prst="curvedDownArrow">
+            <a:avLst>
+              <a:gd name="adj1" fmla="val 40185"/>
+              <a:gd name="adj2" fmla="val 95231"/>
+              <a:gd name="adj3" fmla="val 36473"/>
+            </a:avLst>
+          </a:prstGeom>
+          <a:solidFill>
+            <a:srgbClr val="FFEEB9"/>
+          </a:solidFill>
+          <a:ln>
+            <a:noFill/>
+          </a:ln>
+        </p:spPr>
+        <p:style>
+          <a:lnRef idx="2">
+            <a:schemeClr val="accent1">
+              <a:shade val="50000"/>
+            </a:schemeClr>
+          </a:lnRef>
+          <a:fillRef idx="1">
+            <a:schemeClr val="accent1"/>
+          </a:fillRef>
+          <a:effectRef idx="0">
+            <a:schemeClr val="accent1"/>
+          </a:effectRef>
+          <a:fontRef idx="minor">
+            <a:schemeClr val="lt1"/>
+          </a:fontRef>
+        </p:style>
+        <p:txBody>
+          <a:bodyPr rtlCol="0" anchor="ctr"/>
+          <a:lstStyle/>
+          <a:p>
+            <a:pPr algn="ctr"/>
+            <a:endParaRPr kumimoji="1" lang="ja-JP" altLang="en-US">
+              <a:solidFill>
+                <a:schemeClr val="tx1"/>
+              </a:solidFill>
+            </a:endParaRPr>
+          </a:p>
+        </p:txBody>
+      </p:sp>
+      <p:sp>
+        <p:nvSpPr>
+          <p:cNvPr id="92" name="下カーブ矢印 91"/>
+          <p:cNvSpPr/>
+          <p:nvPr/>
+        </p:nvSpPr>
+        <p:spPr>
+          <a:xfrm rot="17100000">
+            <a:off x="5393647" y="2636874"/>
+            <a:ext cx="1294661" cy="498126"/>
+          </a:xfrm>
+          <a:prstGeom prst="curvedDownArrow">
+            <a:avLst>
+              <a:gd name="adj1" fmla="val 40185"/>
+              <a:gd name="adj2" fmla="val 95231"/>
+              <a:gd name="adj3" fmla="val 36473"/>
+            </a:avLst>
+          </a:prstGeom>
+          <a:solidFill>
+            <a:srgbClr val="FFEEB9"/>
+          </a:solidFill>
+          <a:ln>
+            <a:noFill/>
+          </a:ln>
+        </p:spPr>
+        <p:style>
+          <a:lnRef idx="2">
+            <a:schemeClr val="accent1">
+              <a:shade val="50000"/>
+            </a:schemeClr>
+          </a:lnRef>
+          <a:fillRef idx="1">
+            <a:schemeClr val="accent1"/>
+          </a:fillRef>
+          <a:effectRef idx="0">
+            <a:schemeClr val="accent1"/>
+          </a:effectRef>
+          <a:fontRef idx="minor">
+            <a:schemeClr val="lt1"/>
+          </a:fontRef>
+        </p:style>
+        <p:txBody>
+          <a:bodyPr rtlCol="0" anchor="ctr"/>
+          <a:lstStyle/>
+          <a:p>
+            <a:pPr algn="ctr"/>
+            <a:endParaRPr kumimoji="1" lang="ja-JP" altLang="en-US">
+              <a:solidFill>
+                <a:schemeClr val="tx1"/>
+              </a:solidFill>
+            </a:endParaRPr>
+          </a:p>
+        </p:txBody>
+      </p:sp>
     </p:spTree>
     <p:extLst>
       <p:ext uri="{BB962C8B-B14F-4D97-AF65-F5344CB8AC3E}">

--- a/gacha.pptx
+++ b/gacha.pptx
@@ -244,7 +244,7 @@
           <a:p>
             <a:fld id="{0E085FA6-3BB9-47BA-8D81-299A75D1B58A}" type="datetimeFigureOut">
               <a:rPr kumimoji="1" lang="ja-JP" altLang="en-US" smtClean="0"/>
-              <a:t>2025/3/31</a:t>
+              <a:t>2025/4/1</a:t>
             </a:fld>
             <a:endParaRPr kumimoji="1" lang="ja-JP" altLang="en-US"/>
           </a:p>
@@ -446,7 +446,7 @@
           <a:p>
             <a:fld id="{0E085FA6-3BB9-47BA-8D81-299A75D1B58A}" type="datetimeFigureOut">
               <a:rPr kumimoji="1" lang="ja-JP" altLang="en-US" smtClean="0"/>
-              <a:t>2025/3/31</a:t>
+              <a:t>2025/4/1</a:t>
             </a:fld>
             <a:endParaRPr kumimoji="1" lang="ja-JP" altLang="en-US"/>
           </a:p>
@@ -658,7 +658,7 @@
           <a:p>
             <a:fld id="{0E085FA6-3BB9-47BA-8D81-299A75D1B58A}" type="datetimeFigureOut">
               <a:rPr kumimoji="1" lang="ja-JP" altLang="en-US" smtClean="0"/>
-              <a:t>2025/3/31</a:t>
+              <a:t>2025/4/1</a:t>
             </a:fld>
             <a:endParaRPr kumimoji="1" lang="ja-JP" altLang="en-US"/>
           </a:p>
@@ -860,7 +860,7 @@
           <a:p>
             <a:fld id="{0E085FA6-3BB9-47BA-8D81-299A75D1B58A}" type="datetimeFigureOut">
               <a:rPr kumimoji="1" lang="ja-JP" altLang="en-US" smtClean="0"/>
-              <a:t>2025/3/31</a:t>
+              <a:t>2025/4/1</a:t>
             </a:fld>
             <a:endParaRPr kumimoji="1" lang="ja-JP" altLang="en-US"/>
           </a:p>
@@ -1106,7 +1106,7 @@
           <a:p>
             <a:fld id="{0E085FA6-3BB9-47BA-8D81-299A75D1B58A}" type="datetimeFigureOut">
               <a:rPr kumimoji="1" lang="ja-JP" altLang="en-US" smtClean="0"/>
-              <a:t>2025/3/31</a:t>
+              <a:t>2025/4/1</a:t>
             </a:fld>
             <a:endParaRPr kumimoji="1" lang="ja-JP" altLang="en-US"/>
           </a:p>
@@ -1402,7 +1402,7 @@
           <a:p>
             <a:fld id="{0E085FA6-3BB9-47BA-8D81-299A75D1B58A}" type="datetimeFigureOut">
               <a:rPr kumimoji="1" lang="ja-JP" altLang="en-US" smtClean="0"/>
-              <a:t>2025/3/31</a:t>
+              <a:t>2025/4/1</a:t>
             </a:fld>
             <a:endParaRPr kumimoji="1" lang="ja-JP" altLang="en-US"/>
           </a:p>
@@ -1833,7 +1833,7 @@
           <a:p>
             <a:fld id="{0E085FA6-3BB9-47BA-8D81-299A75D1B58A}" type="datetimeFigureOut">
               <a:rPr kumimoji="1" lang="ja-JP" altLang="en-US" smtClean="0"/>
-              <a:t>2025/3/31</a:t>
+              <a:t>2025/4/1</a:t>
             </a:fld>
             <a:endParaRPr kumimoji="1" lang="ja-JP" altLang="en-US"/>
           </a:p>
@@ -1951,7 +1951,7 @@
           <a:p>
             <a:fld id="{0E085FA6-3BB9-47BA-8D81-299A75D1B58A}" type="datetimeFigureOut">
               <a:rPr kumimoji="1" lang="ja-JP" altLang="en-US" smtClean="0"/>
-              <a:t>2025/3/31</a:t>
+              <a:t>2025/4/1</a:t>
             </a:fld>
             <a:endParaRPr kumimoji="1" lang="ja-JP" altLang="en-US"/>
           </a:p>
@@ -2046,7 +2046,7 @@
           <a:p>
             <a:fld id="{0E085FA6-3BB9-47BA-8D81-299A75D1B58A}" type="datetimeFigureOut">
               <a:rPr kumimoji="1" lang="ja-JP" altLang="en-US" smtClean="0"/>
-              <a:t>2025/3/31</a:t>
+              <a:t>2025/4/1</a:t>
             </a:fld>
             <a:endParaRPr kumimoji="1" lang="ja-JP" altLang="en-US"/>
           </a:p>
@@ -2355,7 +2355,7 @@
           <a:p>
             <a:fld id="{0E085FA6-3BB9-47BA-8D81-299A75D1B58A}" type="datetimeFigureOut">
               <a:rPr kumimoji="1" lang="ja-JP" altLang="en-US" smtClean="0"/>
-              <a:t>2025/3/31</a:t>
+              <a:t>2025/4/1</a:t>
             </a:fld>
             <a:endParaRPr kumimoji="1" lang="ja-JP" altLang="en-US"/>
           </a:p>
@@ -2608,7 +2608,7 @@
           <a:p>
             <a:fld id="{0E085FA6-3BB9-47BA-8D81-299A75D1B58A}" type="datetimeFigureOut">
               <a:rPr kumimoji="1" lang="ja-JP" altLang="en-US" smtClean="0"/>
-              <a:t>2025/3/31</a:t>
+              <a:t>2025/4/1</a:t>
             </a:fld>
             <a:endParaRPr kumimoji="1" lang="ja-JP" altLang="en-US"/>
           </a:p>
@@ -2853,7 +2853,7 @@
           <a:p>
             <a:fld id="{0E085FA6-3BB9-47BA-8D81-299A75D1B58A}" type="datetimeFigureOut">
               <a:rPr kumimoji="1" lang="ja-JP" altLang="en-US" smtClean="0"/>
-              <a:t>2025/3/31</a:t>
+              <a:t>2025/4/1</a:t>
             </a:fld>
             <a:endParaRPr kumimoji="1" lang="ja-JP" altLang="en-US"/>
           </a:p>
@@ -4780,6 +4780,102 @@
           </a:p>
         </p:txBody>
       </p:sp>
+      <p:sp>
+        <p:nvSpPr>
+          <p:cNvPr id="84" name="正方形/長方形 83"/>
+          <p:cNvSpPr/>
+          <p:nvPr/>
+        </p:nvSpPr>
+        <p:spPr>
+          <a:xfrm>
+            <a:off x="7710931" y="2173119"/>
+            <a:ext cx="1748039" cy="1759493"/>
+          </a:xfrm>
+          <a:prstGeom prst="rect">
+            <a:avLst/>
+          </a:prstGeom>
+          <a:solidFill>
+            <a:srgbClr val="FFFFFF"/>
+          </a:solidFill>
+          <a:ln>
+            <a:solidFill>
+              <a:schemeClr val="tx1"/>
+            </a:solidFill>
+          </a:ln>
+        </p:spPr>
+        <p:style>
+          <a:lnRef idx="2">
+            <a:schemeClr val="accent1">
+              <a:shade val="50000"/>
+            </a:schemeClr>
+          </a:lnRef>
+          <a:fillRef idx="1">
+            <a:schemeClr val="accent1"/>
+          </a:fillRef>
+          <a:effectRef idx="0">
+            <a:schemeClr val="accent1"/>
+          </a:effectRef>
+          <a:fontRef idx="minor">
+            <a:schemeClr val="lt1"/>
+          </a:fontRef>
+        </p:style>
+        <p:txBody>
+          <a:bodyPr rtlCol="0" anchor="ctr"/>
+          <a:lstStyle/>
+          <a:p>
+            <a:pPr algn="ctr"/>
+            <a:endParaRPr kumimoji="1" lang="ja-JP" altLang="en-US"/>
+          </a:p>
+        </p:txBody>
+      </p:sp>
+      <p:sp>
+        <p:nvSpPr>
+          <p:cNvPr id="4" name="星 32 3"/>
+          <p:cNvSpPr/>
+          <p:nvPr/>
+        </p:nvSpPr>
+        <p:spPr>
+          <a:xfrm>
+            <a:off x="7799958" y="2267873"/>
+            <a:ext cx="1569985" cy="1569985"/>
+          </a:xfrm>
+          <a:prstGeom prst="star32">
+            <a:avLst>
+              <a:gd name="adj" fmla="val 15352"/>
+            </a:avLst>
+          </a:prstGeom>
+          <a:solidFill>
+            <a:srgbClr val="000000"/>
+          </a:solidFill>
+          <a:ln>
+            <a:noFill/>
+          </a:ln>
+        </p:spPr>
+        <p:style>
+          <a:lnRef idx="2">
+            <a:schemeClr val="accent1">
+              <a:shade val="50000"/>
+            </a:schemeClr>
+          </a:lnRef>
+          <a:fillRef idx="1">
+            <a:schemeClr val="accent1"/>
+          </a:fillRef>
+          <a:effectRef idx="0">
+            <a:schemeClr val="accent1"/>
+          </a:effectRef>
+          <a:fontRef idx="minor">
+            <a:schemeClr val="lt1"/>
+          </a:fontRef>
+        </p:style>
+        <p:txBody>
+          <a:bodyPr rtlCol="0" anchor="ctr"/>
+          <a:lstStyle/>
+          <a:p>
+            <a:pPr algn="ctr"/>
+            <a:endParaRPr kumimoji="1" lang="ja-JP" altLang="en-US"/>
+          </a:p>
+        </p:txBody>
+      </p:sp>
     </p:spTree>
     <p:extLst>
       <p:ext uri="{BB962C8B-B14F-4D97-AF65-F5344CB8AC3E}">
